--- a/config-repo/技术分享.pptx
+++ b/config-repo/技术分享.pptx
@@ -5996,11 +5996,6 @@
               </a:rPr>
               <a:t>，就不用担心环境问题。</a:t>
             </a:r>
-            <a:endParaRPr kumimoji="1" lang="zh-CN" altLang="en-US" sz="1333" dirty="0">
-              <a:solidFill>
-                <a:srgbClr val="2E2E2E"/>
-              </a:solidFill>
-            </a:endParaRPr>
           </a:p>
         </p:txBody>
       </p:sp>
@@ -6704,8 +6699,8 @@
         </p:nvSpPr>
         <p:spPr>
           <a:xfrm>
-            <a:off x="533400" y="1220920"/>
-            <a:ext cx="2983509" cy="461665"/>
+            <a:off x="456413" y="1006620"/>
+            <a:ext cx="12034064" cy="2308324"/>
           </a:xfrm>
           <a:prstGeom prst="rect">
             <a:avLst/>
@@ -6718,10 +6713,9 @@
           </a:bodyPr>
           <a:lstStyle/>
           <a:p>
-            <a:r>
-              <a:rPr lang="en-US" altLang="zh-CN" dirty="0" smtClean="0"/>
-              <a:t>1. </a:t>
-            </a:r>
+            <a:pPr marL="457200" indent="-457200">
+              <a:buAutoNum type="arabicPeriod"/>
+            </a:pPr>
             <a:r>
               <a:rPr lang="zh-CN" altLang="en-US" dirty="0" smtClean="0"/>
               <a:t>容器</a:t>
@@ -6731,10 +6725,208 @@
               <a:t>(Containers</a:t>
             </a:r>
             <a:r>
+              <a:rPr lang="en-US" altLang="zh-CN" dirty="0" smtClean="0"/>
+              <a:t>)</a:t>
+            </a:r>
+          </a:p>
+          <a:p>
+            <a:r>
               <a:rPr lang="en-US" altLang="zh-CN" dirty="0"/>
-              <a:t>)</a:t>
-            </a:r>
-            <a:endParaRPr lang="zh-CN" altLang="en-US" dirty="0"/>
+              <a:t>	</a:t>
+            </a:r>
+            <a:r>
+              <a:rPr lang="en-US" altLang="zh-CN" dirty="0" err="1"/>
+              <a:t>docker</a:t>
+            </a:r>
+            <a:r>
+              <a:rPr lang="en-US" altLang="zh-CN" dirty="0"/>
+              <a:t> container run</a:t>
+            </a:r>
+            <a:r>
+              <a:rPr lang="zh-CN" altLang="en-US" dirty="0"/>
+              <a:t>命令是新建</a:t>
+            </a:r>
+            <a:r>
+              <a:rPr lang="zh-CN" altLang="en-US" dirty="0" smtClean="0"/>
+              <a:t>容器</a:t>
+            </a:r>
+            <a:r>
+              <a:rPr lang="en-US" altLang="zh-CN" dirty="0" smtClean="0"/>
+              <a:t>,</a:t>
+            </a:r>
+            <a:r>
+              <a:rPr lang="en-US" altLang="zh-CN" dirty="0"/>
+              <a:t> </a:t>
+            </a:r>
+            <a:r>
+              <a:rPr lang="en-US" altLang="zh-CN" dirty="0" err="1"/>
+              <a:t>docker</a:t>
+            </a:r>
+            <a:r>
+              <a:rPr lang="en-US" altLang="zh-CN" dirty="0"/>
+              <a:t> container </a:t>
+            </a:r>
+            <a:r>
+              <a:rPr lang="en-US" altLang="zh-CN" dirty="0" smtClean="0"/>
+              <a:t>start</a:t>
+            </a:r>
+            <a:r>
+              <a:rPr lang="zh-CN" altLang="en-US" dirty="0" smtClean="0"/>
+              <a:t>是启动一个容器，</a:t>
+            </a:r>
+            <a:endParaRPr lang="en-US" altLang="zh-CN" dirty="0" smtClean="0"/>
+          </a:p>
+          <a:p>
+            <a:r>
+              <a:rPr lang="en-US" altLang="zh-CN" dirty="0"/>
+              <a:t>	</a:t>
+            </a:r>
+            <a:r>
+              <a:rPr lang="en-US" altLang="zh-CN" dirty="0" err="1"/>
+              <a:t>docker</a:t>
+            </a:r>
+            <a:r>
+              <a:rPr lang="en-US" altLang="zh-CN" dirty="0"/>
+              <a:t> container </a:t>
+            </a:r>
+            <a:r>
+              <a:rPr lang="en-US" altLang="zh-CN" dirty="0"/>
+              <a:t>stop </a:t>
+            </a:r>
+            <a:r>
+              <a:rPr lang="zh-CN" altLang="en-US" dirty="0"/>
+              <a:t>关闭</a:t>
+            </a:r>
+            <a:r>
+              <a:rPr lang="zh-CN" altLang="en-US" dirty="0" smtClean="0"/>
+              <a:t>容器，</a:t>
+            </a:r>
+            <a:r>
+              <a:rPr lang="en-US" altLang="zh-CN" dirty="0" err="1"/>
+              <a:t>docker</a:t>
+            </a:r>
+            <a:r>
+              <a:rPr lang="en-US" altLang="zh-CN" dirty="0"/>
+              <a:t> container kill</a:t>
+            </a:r>
+            <a:r>
+              <a:rPr lang="zh-CN" altLang="en-US" dirty="0"/>
+              <a:t>命令终止容器</a:t>
+            </a:r>
+            <a:r>
+              <a:rPr lang="zh-CN" altLang="en-US" dirty="0" smtClean="0"/>
+              <a:t>运行，</a:t>
+            </a:r>
+            <a:endParaRPr lang="en-US" altLang="zh-CN" dirty="0" smtClean="0"/>
+          </a:p>
+          <a:p>
+            <a:r>
+              <a:rPr lang="en-US" altLang="zh-CN" dirty="0"/>
+              <a:t>	</a:t>
+            </a:r>
+            <a:r>
+              <a:rPr lang="en-US" altLang="zh-CN" dirty="0" err="1" smtClean="0"/>
+              <a:t>docker</a:t>
+            </a:r>
+            <a:r>
+              <a:rPr lang="en-US" altLang="zh-CN" dirty="0" smtClean="0"/>
+              <a:t> </a:t>
+            </a:r>
+            <a:r>
+              <a:rPr lang="en-US" altLang="zh-CN" dirty="0"/>
+              <a:t>container </a:t>
+            </a:r>
+            <a:r>
+              <a:rPr lang="en-US" altLang="zh-CN" dirty="0" smtClean="0"/>
+              <a:t>logs</a:t>
+            </a:r>
+            <a:r>
+              <a:rPr lang="zh-CN" altLang="en-US" dirty="0" smtClean="0"/>
+              <a:t> 查看容器</a:t>
+            </a:r>
+            <a:r>
+              <a:rPr lang="zh-CN" altLang="en-US" dirty="0"/>
+              <a:t>的</a:t>
+            </a:r>
+            <a:r>
+              <a:rPr lang="zh-CN" altLang="en-US" dirty="0" smtClean="0"/>
+              <a:t>输出， </a:t>
+            </a:r>
+            <a:r>
+              <a:rPr lang="en-US" altLang="zh-CN" dirty="0" err="1" smtClean="0"/>
+              <a:t>docker</a:t>
+            </a:r>
+            <a:r>
+              <a:rPr lang="en-US" altLang="zh-CN" dirty="0" smtClean="0"/>
+              <a:t> </a:t>
+            </a:r>
+            <a:r>
+              <a:rPr lang="en-US" altLang="zh-CN" dirty="0"/>
+              <a:t>container </a:t>
+            </a:r>
+            <a:r>
+              <a:rPr lang="en-US" altLang="zh-CN" dirty="0" smtClean="0"/>
+              <a:t>exec </a:t>
+            </a:r>
+            <a:r>
+              <a:rPr lang="zh-CN" altLang="en-US" dirty="0" smtClean="0"/>
+              <a:t>进入容器</a:t>
+            </a:r>
+            <a:endParaRPr lang="en-US" altLang="zh-CN" dirty="0" smtClean="0"/>
+          </a:p>
+          <a:p>
+            <a:r>
+              <a:rPr lang="en-US" altLang="zh-CN" dirty="0"/>
+              <a:t>	</a:t>
+            </a:r>
+            <a:r>
+              <a:rPr lang="en-US" altLang="zh-CN" dirty="0" err="1"/>
+              <a:t>docker</a:t>
+            </a:r>
+            <a:r>
+              <a:rPr lang="en-US" altLang="zh-CN" dirty="0"/>
+              <a:t> container ls </a:t>
+            </a:r>
+            <a:r>
+              <a:rPr lang="en-US" altLang="zh-CN" dirty="0" smtClean="0"/>
+              <a:t>–all </a:t>
+            </a:r>
+            <a:r>
+              <a:rPr lang="zh-CN" altLang="en-US" dirty="0" smtClean="0"/>
+              <a:t>查出所有容器，</a:t>
+            </a:r>
+            <a:r>
+              <a:rPr lang="en-US" altLang="zh-CN" dirty="0" err="1"/>
+              <a:t>docker</a:t>
+            </a:r>
+            <a:r>
+              <a:rPr lang="en-US" altLang="zh-CN" dirty="0"/>
+              <a:t> container </a:t>
+            </a:r>
+            <a:r>
+              <a:rPr lang="en-US" altLang="zh-CN" dirty="0" err="1" smtClean="0"/>
+              <a:t>rm</a:t>
+            </a:r>
+            <a:r>
+              <a:rPr lang="en-US" altLang="zh-CN" dirty="0" smtClean="0"/>
+              <a:t> </a:t>
+            </a:r>
+            <a:r>
+              <a:rPr lang="zh-CN" altLang="en-US" dirty="0" smtClean="0"/>
+              <a:t>删除容器</a:t>
+            </a:r>
+            <a:endParaRPr lang="en-US" altLang="zh-CN" dirty="0" smtClean="0"/>
+          </a:p>
+          <a:p>
+            <a:r>
+              <a:rPr lang="en-US" altLang="zh-CN" b="1" dirty="0"/>
+              <a:t> </a:t>
+            </a:r>
+            <a:r>
+              <a:rPr lang="en-US" altLang="zh-CN" b="1" dirty="0" smtClean="0"/>
+              <a:t>	</a:t>
+            </a:r>
+            <a:endParaRPr lang="en-US" altLang="zh-CN" b="1" dirty="0"/>
           </a:p>
         </p:txBody>
       </p:sp>
@@ -6746,7 +6938,7 @@
         </p:nvSpPr>
         <p:spPr>
           <a:xfrm>
-            <a:off x="637762" y="2840682"/>
+            <a:off x="493926" y="3071514"/>
             <a:ext cx="2581688" cy="461665"/>
           </a:xfrm>
           <a:prstGeom prst="rect">
@@ -6844,6 +7036,13 @@
       </p:transition>
     </mc:Fallback>
   </mc:AlternateContent>
+  <p:timing>
+    <p:tnLst>
+      <p:par>
+        <p:cTn id="1" dur="indefinite" restart="never" nodeType="tmRoot"/>
+      </p:par>
+    </p:tnLst>
+  </p:timing>
 </p:sld>
 </file>
 
@@ -7127,6 +7326,13 @@
       </p:transition>
     </mc:Fallback>
   </mc:AlternateContent>
+  <p:timing>
+    <p:tnLst>
+      <p:par>
+        <p:cTn id="1" dur="indefinite" restart="never" nodeType="tmRoot"/>
+      </p:par>
+    </p:tnLst>
+  </p:timing>
 </p:sld>
 </file>
 
@@ -7420,6 +7626,13 @@
       </p:transition>
     </mc:Fallback>
   </mc:AlternateContent>
+  <p:timing>
+    <p:tnLst>
+      <p:par>
+        <p:cTn id="1" dur="indefinite" restart="never" nodeType="tmRoot"/>
+      </p:par>
+    </p:tnLst>
+  </p:timing>
 </p:sld>
 </file>
 
@@ -12021,7 +12234,7 @@
               </a:ln>
               <a:extLst>
                 <a:ext uri="{91240B29-F687-4f45-9708-019B960494DF}">
-                  <a14:hiddenLine xmlns:a14="http://schemas.microsoft.com/office/drawing/2010/main" xmlns="" w="9525">
+                  <a14:hiddenLine xmlns="" xmlns:a14="http://schemas.microsoft.com/office/drawing/2010/main" w="9525">
                     <a:solidFill>
                       <a:srgbClr val="000000"/>
                     </a:solidFill>
@@ -12254,7 +12467,7 @@
               </a:ln>
               <a:extLst>
                 <a:ext uri="{91240B29-F687-4f45-9708-019B960494DF}">
-                  <a14:hiddenLine xmlns:a14="http://schemas.microsoft.com/office/drawing/2010/main" xmlns="" w="9525">
+                  <a14:hiddenLine xmlns="" xmlns:a14="http://schemas.microsoft.com/office/drawing/2010/main" w="9525">
                     <a:solidFill>
                       <a:srgbClr val="000000"/>
                     </a:solidFill>
@@ -12368,7 +12581,7 @@
               </a:ln>
               <a:extLst>
                 <a:ext uri="{91240B29-F687-4f45-9708-019B960494DF}">
-                  <a14:hiddenLine xmlns:a14="http://schemas.microsoft.com/office/drawing/2010/main" xmlns="" w="9525">
+                  <a14:hiddenLine xmlns="" xmlns:a14="http://schemas.microsoft.com/office/drawing/2010/main" w="9525">
                     <a:solidFill>
                       <a:srgbClr val="000000"/>
                     </a:solidFill>
@@ -12617,7 +12830,7 @@
               </a:ln>
               <a:extLst>
                 <a:ext uri="{91240B29-F687-4f45-9708-019B960494DF}">
-                  <a14:hiddenLine xmlns:a14="http://schemas.microsoft.com/office/drawing/2010/main" xmlns="" w="9525">
+                  <a14:hiddenLine xmlns="" xmlns:a14="http://schemas.microsoft.com/office/drawing/2010/main" w="9525">
                     <a:solidFill>
                       <a:srgbClr val="000000"/>
                     </a:solidFill>
@@ -12861,7 +13074,7 @@
               </a:ln>
               <a:extLst>
                 <a:ext uri="{91240B29-F687-4f45-9708-019B960494DF}">
-                  <a14:hiddenLine xmlns:a14="http://schemas.microsoft.com/office/drawing/2010/main" xmlns="" w="9525">
+                  <a14:hiddenLine xmlns="" xmlns:a14="http://schemas.microsoft.com/office/drawing/2010/main" w="9525">
                     <a:solidFill>
                       <a:srgbClr val="000000"/>
                     </a:solidFill>
@@ -12995,7 +13208,7 @@
               </a:ln>
               <a:extLst>
                 <a:ext uri="{91240B29-F687-4f45-9708-019B960494DF}">
-                  <a14:hiddenLine xmlns:a14="http://schemas.microsoft.com/office/drawing/2010/main" xmlns="" w="9525">
+                  <a14:hiddenLine xmlns="" xmlns:a14="http://schemas.microsoft.com/office/drawing/2010/main" w="9525">
                     <a:solidFill>
                       <a:srgbClr val="000000"/>
                     </a:solidFill>
@@ -14870,7 +15083,7 @@
               </a:ln>
               <a:extLst>
                 <a:ext uri="{91240B29-F687-4f45-9708-019B960494DF}">
-                  <a14:hiddenLine xmlns:a14="http://schemas.microsoft.com/office/drawing/2010/main" xmlns="" w="9525">
+                  <a14:hiddenLine xmlns="" xmlns:a14="http://schemas.microsoft.com/office/drawing/2010/main" w="9525">
                     <a:solidFill>
                       <a:srgbClr val="000000"/>
                     </a:solidFill>
@@ -15143,7 +15356,7 @@
               </a:ln>
               <a:extLst>
                 <a:ext uri="{91240B29-F687-4f45-9708-019B960494DF}">
-                  <a14:hiddenLine xmlns:a14="http://schemas.microsoft.com/office/drawing/2010/main" xmlns="" w="9525">
+                  <a14:hiddenLine xmlns="" xmlns:a14="http://schemas.microsoft.com/office/drawing/2010/main" w="9525">
                     <a:solidFill>
                       <a:srgbClr val="000000"/>
                     </a:solidFill>
@@ -15247,7 +15460,7 @@
               </a:ln>
               <a:extLst>
                 <a:ext uri="{91240B29-F687-4f45-9708-019B960494DF}">
-                  <a14:hiddenLine xmlns:a14="http://schemas.microsoft.com/office/drawing/2010/main" xmlns="" w="9525">
+                  <a14:hiddenLine xmlns="" xmlns:a14="http://schemas.microsoft.com/office/drawing/2010/main" w="9525">
                     <a:solidFill>
                       <a:srgbClr val="000000"/>
                     </a:solidFill>
@@ -15787,7 +16000,7 @@
             </a:ln>
             <a:extLst>
               <a:ext uri="{91240B29-F687-4f45-9708-019B960494DF}">
-                <a14:hiddenLine xmlns:a14="http://schemas.microsoft.com/office/drawing/2010/main" xmlns="" w="9525">
+                <a14:hiddenLine xmlns="" xmlns:a14="http://schemas.microsoft.com/office/drawing/2010/main" w="9525">
                   <a:solidFill>
                     <a:srgbClr val="000000"/>
                   </a:solidFill>
@@ -16062,7 +16275,7 @@
             </a:ln>
             <a:extLst>
               <a:ext uri="{91240B29-F687-4f45-9708-019B960494DF}">
-                <a14:hiddenLine xmlns:a14="http://schemas.microsoft.com/office/drawing/2010/main" xmlns="" w="9525">
+                <a14:hiddenLine xmlns="" xmlns:a14="http://schemas.microsoft.com/office/drawing/2010/main" w="9525">
                   <a:solidFill>
                     <a:srgbClr val="000000"/>
                   </a:solidFill>
@@ -16168,7 +16381,7 @@
             </a:ln>
             <a:extLst>
               <a:ext uri="{91240B29-F687-4f45-9708-019B960494DF}">
-                <a14:hiddenLine xmlns:a14="http://schemas.microsoft.com/office/drawing/2010/main" xmlns="" w="9525">
+                <a14:hiddenLine xmlns="" xmlns:a14="http://schemas.microsoft.com/office/drawing/2010/main" w="9525">
                   <a:solidFill>
                     <a:srgbClr val="000000"/>
                   </a:solidFill>
@@ -16722,7 +16935,7 @@
               </a:ln>
               <a:extLst>
                 <a:ext uri="{91240B29-F687-4f45-9708-019B960494DF}">
-                  <a14:hiddenLine xmlns:a14="http://schemas.microsoft.com/office/drawing/2010/main" xmlns="" w="9525">
+                  <a14:hiddenLine xmlns="" xmlns:a14="http://schemas.microsoft.com/office/drawing/2010/main" w="9525">
                     <a:solidFill>
                       <a:srgbClr val="000000"/>
                     </a:solidFill>
@@ -16995,7 +17208,7 @@
               </a:ln>
               <a:extLst>
                 <a:ext uri="{91240B29-F687-4f45-9708-019B960494DF}">
-                  <a14:hiddenLine xmlns:a14="http://schemas.microsoft.com/office/drawing/2010/main" xmlns="" w="9525">
+                  <a14:hiddenLine xmlns="" xmlns:a14="http://schemas.microsoft.com/office/drawing/2010/main" w="9525">
                     <a:solidFill>
                       <a:srgbClr val="000000"/>
                     </a:solidFill>
@@ -17099,7 +17312,7 @@
               </a:ln>
               <a:extLst>
                 <a:ext uri="{91240B29-F687-4f45-9708-019B960494DF}">
-                  <a14:hiddenLine xmlns:a14="http://schemas.microsoft.com/office/drawing/2010/main" xmlns="" w="9525">
+                  <a14:hiddenLine xmlns="" xmlns:a14="http://schemas.microsoft.com/office/drawing/2010/main" w="9525">
                     <a:solidFill>
                       <a:srgbClr val="000000"/>
                     </a:solidFill>
@@ -17652,7 +17865,7 @@
               </a:ln>
               <a:extLst>
                 <a:ext uri="{91240B29-F687-4f45-9708-019B960494DF}">
-                  <a14:hiddenLine xmlns:a14="http://schemas.microsoft.com/office/drawing/2010/main" xmlns="" w="9525">
+                  <a14:hiddenLine xmlns="" xmlns:a14="http://schemas.microsoft.com/office/drawing/2010/main" w="9525">
                     <a:solidFill>
                       <a:srgbClr val="000000"/>
                     </a:solidFill>
@@ -17925,7 +18138,7 @@
               </a:ln>
               <a:extLst>
                 <a:ext uri="{91240B29-F687-4f45-9708-019B960494DF}">
-                  <a14:hiddenLine xmlns:a14="http://schemas.microsoft.com/office/drawing/2010/main" xmlns="" w="9525">
+                  <a14:hiddenLine xmlns="" xmlns:a14="http://schemas.microsoft.com/office/drawing/2010/main" w="9525">
                     <a:solidFill>
                       <a:srgbClr val="000000"/>
                     </a:solidFill>
@@ -18029,7 +18242,7 @@
               </a:ln>
               <a:extLst>
                 <a:ext uri="{91240B29-F687-4f45-9708-019B960494DF}">
-                  <a14:hiddenLine xmlns:a14="http://schemas.microsoft.com/office/drawing/2010/main" xmlns="" w="9525">
+                  <a14:hiddenLine xmlns="" xmlns:a14="http://schemas.microsoft.com/office/drawing/2010/main" w="9525">
                     <a:solidFill>
                       <a:srgbClr val="000000"/>
                     </a:solidFill>
@@ -22191,15 +22404,6 @@
 </file>
 
 <file path=customXml/item1.xml><?xml version="1.0" encoding="utf-8"?>
-<?mso-contentType ?>
-<FormTemplates xmlns="http://schemas.microsoft.com/sharepoint/v3/contenttype/forms">
-  <Display>DocumentLibraryForm</Display>
-  <Edit>DocumentLibraryForm</Edit>
-  <New>DocumentLibraryForm</New>
-</FormTemplates>
-</file>
-
-<file path=customXml/item2.xml><?xml version="1.0" encoding="utf-8"?>
 <ct:contentTypeSchema xmlns:ct="http://schemas.microsoft.com/office/2006/metadata/contentType" xmlns:ma="http://schemas.microsoft.com/office/2006/metadata/properties/metaAttributes" ct:_="" ma:_="" ma:contentTypeName="Document" ma:contentTypeID="0x0101000DE64AEEDD9B7A4D93545ACBE97D4615" ma:contentTypeVersion="2" ma:contentTypeDescription="Create a new document." ma:contentTypeScope="" ma:versionID="f49002b78e3a4a71b814eef46a983816">
   <xsd:schema xmlns:xsd="http://www.w3.org/2001/XMLSchema" xmlns:xs="http://www.w3.org/2001/XMLSchema" xmlns:p="http://schemas.microsoft.com/office/2006/metadata/properties" xmlns:ns2="http://schemas.microsoft.com/sharepoint/v3/fields" targetNamespace="http://schemas.microsoft.com/office/2006/metadata/properties" ma:root="true" ma:fieldsID="38f6db2dd0d9a0cf6a8dc37be32b365b" ns2:_="">
     <xsd:import namespace="http://schemas.microsoft.com/sharepoint/v3/fields"/>
@@ -22343,6 +22547,15 @@
 </ct:contentTypeSchema>
 </file>
 
+<file path=customXml/item2.xml><?xml version="1.0" encoding="utf-8"?>
+<?mso-contentType ?>
+<FormTemplates xmlns="http://schemas.microsoft.com/sharepoint/v3/contenttype/forms">
+  <Display>DocumentLibraryForm</Display>
+  <Edit>DocumentLibraryForm</Edit>
+  <New>DocumentLibraryForm</New>
+</FormTemplates>
+</file>
+
 <file path=customXml/item3.xml><?xml version="1.0" encoding="utf-8"?>
 <p:properties xmlns:p="http://schemas.microsoft.com/office/2006/metadata/properties" xmlns:xsi="http://www.w3.org/2001/XMLSchema-instance" xmlns:pc="http://schemas.microsoft.com/office/infopath/2007/PartnerControls">
   <documentManagement>
@@ -22353,14 +22566,6 @@
 </file>
 
 <file path=customXml/itemProps1.xml><?xml version="1.0" encoding="utf-8"?>
-<ds:datastoreItem xmlns:ds="http://schemas.openxmlformats.org/officeDocument/2006/customXml" ds:itemID="{87D2A1B0-FF3E-4009-940D-AED0EB70AA20}">
-  <ds:schemaRefs>
-    <ds:schemaRef ds:uri="http://schemas.microsoft.com/sharepoint/v3/contenttype/forms"/>
-  </ds:schemaRefs>
-</ds:datastoreItem>
-</file>
-
-<file path=customXml/itemProps2.xml><?xml version="1.0" encoding="utf-8"?>
 <ds:datastoreItem xmlns:ds="http://schemas.openxmlformats.org/officeDocument/2006/customXml" ds:itemID="{E4214858-785C-42F7-BE66-6D0E79395FC8}">
   <ds:schemaRefs>
     <ds:schemaRef ds:uri="http://schemas.microsoft.com/office/2006/metadata/contentType"/>
@@ -22378,6 +22583,14 @@
 </ds:datastoreItem>
 </file>
 
+<file path=customXml/itemProps2.xml><?xml version="1.0" encoding="utf-8"?>
+<ds:datastoreItem xmlns:ds="http://schemas.openxmlformats.org/officeDocument/2006/customXml" ds:itemID="{87D2A1B0-FF3E-4009-940D-AED0EB70AA20}">
+  <ds:schemaRefs>
+    <ds:schemaRef ds:uri="http://schemas.microsoft.com/sharepoint/v3/contenttype/forms"/>
+  </ds:schemaRefs>
+</ds:datastoreItem>
+</file>
+
 <file path=customXml/itemProps3.xml><?xml version="1.0" encoding="utf-8"?>
 <ds:datastoreItem xmlns:ds="http://schemas.openxmlformats.org/officeDocument/2006/customXml" ds:itemID="{7B6F2769-7194-4217-93D3-3AF3A4742282}">
   <ds:schemaRefs>

--- a/config-repo/技术分享.pptx
+++ b/config-repo/技术分享.pptx
@@ -6939,7 +6939,7 @@
         <p:spPr>
           <a:xfrm>
             <a:off x="493926" y="3071514"/>
-            <a:ext cx="2581688" cy="461665"/>
+            <a:ext cx="11529752" cy="830997"/>
           </a:xfrm>
           <a:prstGeom prst="rect">
             <a:avLst/>
@@ -6965,10 +6965,32 @@
               <a:t>(Images</a:t>
             </a:r>
             <a:r>
+              <a:rPr lang="en-US" altLang="zh-CN" dirty="0" smtClean="0"/>
+              <a:t>)</a:t>
+            </a:r>
+          </a:p>
+          <a:p>
+            <a:r>
               <a:rPr lang="en-US" altLang="zh-CN" dirty="0"/>
-              <a:t>)</a:t>
-            </a:r>
-            <a:endParaRPr lang="zh-CN" altLang="en-US" dirty="0"/>
+              <a:t>	</a:t>
+            </a:r>
+            <a:r>
+              <a:rPr lang="en-US" altLang="zh-CN" dirty="0" err="1"/>
+              <a:t>docker</a:t>
+            </a:r>
+            <a:r>
+              <a:rPr lang="en-US" altLang="zh-CN" dirty="0"/>
+              <a:t> </a:t>
+            </a:r>
+            <a:r>
+              <a:rPr lang="en-US" altLang="zh-CN" dirty="0" smtClean="0"/>
+              <a:t>search </a:t>
+            </a:r>
+            <a:r>
+              <a:rPr lang="zh-CN" altLang="en-US" dirty="0" smtClean="0"/>
+              <a:t>从仓库搜索镜像， </a:t>
+            </a:r>
+            <a:endParaRPr lang="en-US" altLang="zh-CN" dirty="0"/>
           </a:p>
         </p:txBody>
       </p:sp>

--- a/config-repo/技术分享.pptx
+++ b/config-repo/技术分享.pptx
@@ -650,7 +650,7 @@
                 <a:ea typeface="微软雅黑"/>
               </a:rPr>
               <a:pPr/>
-              <a:t>2018/4/1</a:t>
+              <a:t>2018/4/6</a:t>
             </a:fld>
             <a:endParaRPr kumimoji="1" lang="zh-CN" altLang="en-US">
               <a:solidFill>
@@ -938,7 +938,7 @@
                 <a:ea typeface="微软雅黑"/>
               </a:rPr>
               <a:pPr/>
-              <a:t>2018/4/1</a:t>
+              <a:t>2018/4/6</a:t>
             </a:fld>
             <a:endParaRPr kumimoji="1" lang="zh-CN" altLang="en-US">
               <a:solidFill>
@@ -1268,7 +1268,7 @@
                 <a:ea typeface="微软雅黑"/>
               </a:rPr>
               <a:pPr/>
-              <a:t>2018/4/1</a:t>
+              <a:t>2018/4/6</a:t>
             </a:fld>
             <a:endParaRPr kumimoji="1" lang="zh-CN" altLang="en-US">
               <a:solidFill>
@@ -1737,7 +1737,7 @@
                 <a:ea typeface="微软雅黑"/>
               </a:rPr>
               <a:pPr/>
-              <a:t>2018/4/1</a:t>
+              <a:t>2018/4/6</a:t>
             </a:fld>
             <a:endParaRPr kumimoji="1" lang="zh-CN" altLang="en-US">
               <a:solidFill>
@@ -1897,7 +1897,7 @@
                 <a:ea typeface="微软雅黑"/>
               </a:rPr>
               <a:pPr/>
-              <a:t>2018/4/1</a:t>
+              <a:t>2018/4/6</a:t>
             </a:fld>
             <a:endParaRPr kumimoji="1" lang="zh-CN" altLang="en-US">
               <a:solidFill>
@@ -2034,7 +2034,7 @@
                 <a:ea typeface="微软雅黑"/>
               </a:rPr>
               <a:pPr/>
-              <a:t>2018/4/1</a:t>
+              <a:t>2018/4/6</a:t>
             </a:fld>
             <a:endParaRPr kumimoji="1" lang="zh-CN" altLang="en-US">
               <a:solidFill>
@@ -2353,7 +2353,7 @@
                 <a:ea typeface="微软雅黑"/>
               </a:rPr>
               <a:pPr/>
-              <a:t>2018/4/1</a:t>
+              <a:t>2018/4/6</a:t>
             </a:fld>
             <a:endParaRPr kumimoji="1" lang="zh-CN" altLang="en-US">
               <a:solidFill>
@@ -2648,7 +2648,7 @@
                 <a:ea typeface="微软雅黑"/>
               </a:rPr>
               <a:pPr/>
-              <a:t>2018/4/1</a:t>
+              <a:t>2018/4/6</a:t>
             </a:fld>
             <a:endParaRPr kumimoji="1" lang="zh-CN" altLang="en-US">
               <a:solidFill>
@@ -2860,7 +2860,7 @@
                 <a:ea typeface="微软雅黑"/>
               </a:rPr>
               <a:pPr/>
-              <a:t>2018/4/1</a:t>
+              <a:t>2018/4/6</a:t>
             </a:fld>
             <a:endParaRPr kumimoji="1" lang="zh-CN" altLang="en-US">
               <a:solidFill>
@@ -3082,7 +3082,7 @@
                 <a:ea typeface="微软雅黑"/>
               </a:rPr>
               <a:pPr/>
-              <a:t>2018/4/1</a:t>
+              <a:t>2018/4/6</a:t>
             </a:fld>
             <a:endParaRPr kumimoji="1" lang="zh-CN" altLang="en-US">
               <a:solidFill>
@@ -4377,7 +4377,7 @@
                 <a:ea typeface="微软雅黑"/>
               </a:rPr>
               <a:pPr/>
-              <a:t>2018/4/1</a:t>
+              <a:t>2018/4/6</a:t>
             </a:fld>
             <a:endParaRPr kumimoji="1" lang="zh-CN" altLang="en-US">
               <a:solidFill>
@@ -4925,7 +4925,7 @@
                 <a:ea typeface="微软雅黑"/>
               </a:rPr>
               <a:pPr/>
-              <a:t>2018/4/1</a:t>
+              <a:t>2018/4/6</a:t>
             </a:fld>
             <a:endParaRPr kumimoji="1" lang="zh-CN" altLang="en-US">
               <a:solidFill>
@@ -6699,8 +6699,8 @@
         </p:nvSpPr>
         <p:spPr>
           <a:xfrm>
-            <a:off x="456413" y="1006620"/>
-            <a:ext cx="12034064" cy="2308324"/>
+            <a:off x="382075" y="4601065"/>
+            <a:ext cx="10161756" cy="2123658"/>
           </a:xfrm>
           <a:prstGeom prst="rect">
             <a:avLst/>
@@ -6713,20 +6713,17 @@
           </a:bodyPr>
           <a:lstStyle/>
           <a:p>
-            <a:pPr marL="457200" indent="-457200">
-              <a:buAutoNum type="arabicPeriod"/>
-            </a:pPr>
+            <a:r>
+              <a:rPr lang="en-US" altLang="zh-CN" dirty="0" smtClean="0"/>
+              <a:t>3.</a:t>
+            </a:r>
             <a:r>
               <a:rPr lang="zh-CN" altLang="en-US" dirty="0" smtClean="0"/>
               <a:t>容器</a:t>
             </a:r>
             <a:r>
               <a:rPr lang="en-US" altLang="zh-CN" dirty="0" smtClean="0"/>
-              <a:t>(Containers</a:t>
-            </a:r>
-            <a:r>
-              <a:rPr lang="en-US" altLang="zh-CN" dirty="0" smtClean="0"/>
-              <a:t>)</a:t>
+              <a:t>(Containers)</a:t>
             </a:r>
           </a:p>
           <a:p>
@@ -6735,187 +6732,183 @@
               <a:t>	</a:t>
             </a:r>
             <a:r>
-              <a:rPr lang="en-US" altLang="zh-CN" dirty="0" err="1"/>
+              <a:rPr lang="en-US" altLang="zh-CN" sz="2000" dirty="0" err="1"/>
               <a:t>docker</a:t>
             </a:r>
             <a:r>
-              <a:rPr lang="en-US" altLang="zh-CN" dirty="0"/>
+              <a:rPr lang="en-US" altLang="zh-CN" sz="2000" dirty="0"/>
               <a:t> container run</a:t>
             </a:r>
             <a:r>
-              <a:rPr lang="zh-CN" altLang="en-US" dirty="0"/>
+              <a:rPr lang="zh-CN" altLang="en-US" sz="2000" dirty="0"/>
               <a:t>命令是新建</a:t>
             </a:r>
             <a:r>
-              <a:rPr lang="zh-CN" altLang="en-US" dirty="0" smtClean="0"/>
+              <a:rPr lang="zh-CN" altLang="en-US" sz="2000" dirty="0" smtClean="0"/>
               <a:t>容器</a:t>
             </a:r>
             <a:r>
-              <a:rPr lang="en-US" altLang="zh-CN" dirty="0" smtClean="0"/>
+              <a:rPr lang="en-US" altLang="zh-CN" sz="2000" dirty="0" smtClean="0"/>
               <a:t>,</a:t>
             </a:r>
             <a:r>
-              <a:rPr lang="en-US" altLang="zh-CN" dirty="0"/>
+              <a:rPr lang="en-US" altLang="zh-CN" sz="2000" dirty="0"/>
               <a:t> </a:t>
             </a:r>
             <a:r>
-              <a:rPr lang="en-US" altLang="zh-CN" dirty="0" err="1"/>
+              <a:rPr lang="en-US" altLang="zh-CN" sz="2000" dirty="0" err="1"/>
               <a:t>docker</a:t>
             </a:r>
             <a:r>
-              <a:rPr lang="en-US" altLang="zh-CN" dirty="0"/>
+              <a:rPr lang="en-US" altLang="zh-CN" sz="2000" dirty="0"/>
               <a:t> container </a:t>
             </a:r>
             <a:r>
-              <a:rPr lang="en-US" altLang="zh-CN" dirty="0" smtClean="0"/>
+              <a:rPr lang="en-US" altLang="zh-CN" sz="2000" dirty="0" smtClean="0"/>
               <a:t>start</a:t>
             </a:r>
             <a:r>
-              <a:rPr lang="zh-CN" altLang="en-US" dirty="0" smtClean="0"/>
+              <a:rPr lang="zh-CN" altLang="en-US" sz="2000" dirty="0" smtClean="0"/>
               <a:t>是启动一个容器，</a:t>
             </a:r>
-            <a:endParaRPr lang="en-US" altLang="zh-CN" dirty="0" smtClean="0"/>
-          </a:p>
-          <a:p>
-            <a:r>
-              <a:rPr lang="en-US" altLang="zh-CN" dirty="0"/>
+            <a:endParaRPr lang="en-US" altLang="zh-CN" sz="2000" dirty="0" smtClean="0"/>
+          </a:p>
+          <a:p>
+            <a:r>
+              <a:rPr lang="en-US" altLang="zh-CN" sz="2000" dirty="0"/>
               <a:t>	</a:t>
             </a:r>
             <a:r>
-              <a:rPr lang="en-US" altLang="zh-CN" dirty="0" err="1"/>
+              <a:rPr lang="en-US" altLang="zh-CN" sz="2000" dirty="0" err="1"/>
               <a:t>docker</a:t>
             </a:r>
             <a:r>
-              <a:rPr lang="en-US" altLang="zh-CN" dirty="0"/>
+              <a:rPr lang="en-US" altLang="zh-CN" sz="2000" dirty="0"/>
+              <a:t> container stop </a:t>
+            </a:r>
+            <a:r>
+              <a:rPr lang="zh-CN" altLang="en-US" sz="2000" dirty="0"/>
+              <a:t>关闭</a:t>
+            </a:r>
+            <a:r>
+              <a:rPr lang="zh-CN" altLang="en-US" sz="2000" dirty="0" smtClean="0"/>
+              <a:t>容器，</a:t>
+            </a:r>
+            <a:r>
+              <a:rPr lang="en-US" altLang="zh-CN" sz="2000" dirty="0" err="1"/>
+              <a:t>docker</a:t>
+            </a:r>
+            <a:r>
+              <a:rPr lang="en-US" altLang="zh-CN" sz="2000" dirty="0"/>
+              <a:t> container kill</a:t>
+            </a:r>
+            <a:r>
+              <a:rPr lang="zh-CN" altLang="en-US" sz="2000" dirty="0"/>
+              <a:t>命令终止容器</a:t>
+            </a:r>
+            <a:r>
+              <a:rPr lang="zh-CN" altLang="en-US" sz="2000" dirty="0" smtClean="0"/>
+              <a:t>运行，</a:t>
+            </a:r>
+            <a:endParaRPr lang="en-US" altLang="zh-CN" sz="2000" dirty="0" smtClean="0"/>
+          </a:p>
+          <a:p>
+            <a:r>
+              <a:rPr lang="en-US" altLang="zh-CN" sz="2000" dirty="0"/>
+              <a:t>	</a:t>
+            </a:r>
+            <a:r>
+              <a:rPr lang="en-US" altLang="zh-CN" sz="2000" dirty="0" err="1" smtClean="0"/>
+              <a:t>docker</a:t>
+            </a:r>
+            <a:r>
+              <a:rPr lang="en-US" altLang="zh-CN" sz="2000" dirty="0" smtClean="0"/>
+              <a:t> </a:t>
+            </a:r>
+            <a:r>
+              <a:rPr lang="en-US" altLang="zh-CN" sz="2000" dirty="0"/>
+              <a:t>container </a:t>
+            </a:r>
+            <a:r>
+              <a:rPr lang="en-US" altLang="zh-CN" sz="2000" dirty="0" smtClean="0"/>
+              <a:t>logs</a:t>
+            </a:r>
+            <a:r>
+              <a:rPr lang="zh-CN" altLang="en-US" sz="2000" dirty="0" smtClean="0"/>
+              <a:t> 查看容器</a:t>
+            </a:r>
+            <a:r>
+              <a:rPr lang="zh-CN" altLang="en-US" sz="2000" dirty="0"/>
+              <a:t>的</a:t>
+            </a:r>
+            <a:r>
+              <a:rPr lang="zh-CN" altLang="en-US" sz="2000" dirty="0" smtClean="0"/>
+              <a:t>输出， </a:t>
+            </a:r>
+            <a:r>
+              <a:rPr lang="en-US" altLang="zh-CN" sz="2000" dirty="0" err="1" smtClean="0"/>
+              <a:t>docker</a:t>
+            </a:r>
+            <a:r>
+              <a:rPr lang="en-US" altLang="zh-CN" sz="2000" dirty="0" smtClean="0"/>
+              <a:t> </a:t>
+            </a:r>
+            <a:r>
+              <a:rPr lang="en-US" altLang="zh-CN" sz="2000" dirty="0"/>
+              <a:t>container </a:t>
+            </a:r>
+            <a:r>
+              <a:rPr lang="en-US" altLang="zh-CN" sz="2000" dirty="0" smtClean="0"/>
+              <a:t>exec </a:t>
+            </a:r>
+            <a:r>
+              <a:rPr lang="zh-CN" altLang="en-US" sz="2000" dirty="0" smtClean="0"/>
+              <a:t>进入容器</a:t>
+            </a:r>
+            <a:endParaRPr lang="en-US" altLang="zh-CN" sz="2000" dirty="0" smtClean="0"/>
+          </a:p>
+          <a:p>
+            <a:r>
+              <a:rPr lang="en-US" altLang="zh-CN" sz="2000" dirty="0"/>
+              <a:t>	</a:t>
+            </a:r>
+            <a:r>
+              <a:rPr lang="en-US" altLang="zh-CN" sz="2000" dirty="0" err="1"/>
+              <a:t>docker</a:t>
+            </a:r>
+            <a:r>
+              <a:rPr lang="en-US" altLang="zh-CN" sz="2000" dirty="0"/>
+              <a:t> container ls </a:t>
+            </a:r>
+            <a:r>
+              <a:rPr lang="en-US" altLang="zh-CN" sz="2000" dirty="0" smtClean="0"/>
+              <a:t>–all </a:t>
+            </a:r>
+            <a:r>
+              <a:rPr lang="zh-CN" altLang="en-US" sz="2000" dirty="0" smtClean="0"/>
+              <a:t>查出所有容器，</a:t>
+            </a:r>
+            <a:r>
+              <a:rPr lang="en-US" altLang="zh-CN" sz="2000" dirty="0" err="1"/>
+              <a:t>docker</a:t>
+            </a:r>
+            <a:r>
+              <a:rPr lang="en-US" altLang="zh-CN" sz="2000" dirty="0"/>
               <a:t> container </a:t>
             </a:r>
             <a:r>
-              <a:rPr lang="en-US" altLang="zh-CN" dirty="0"/>
-              <a:t>stop </a:t>
-            </a:r>
-            <a:r>
-              <a:rPr lang="zh-CN" altLang="en-US" dirty="0"/>
-              <a:t>关闭</a:t>
-            </a:r>
-            <a:r>
-              <a:rPr lang="zh-CN" altLang="en-US" dirty="0" smtClean="0"/>
-              <a:t>容器，</a:t>
-            </a:r>
-            <a:r>
-              <a:rPr lang="en-US" altLang="zh-CN" dirty="0" err="1"/>
-              <a:t>docker</a:t>
-            </a:r>
-            <a:r>
-              <a:rPr lang="en-US" altLang="zh-CN" dirty="0"/>
-              <a:t> container kill</a:t>
-            </a:r>
-            <a:r>
-              <a:rPr lang="zh-CN" altLang="en-US" dirty="0"/>
-              <a:t>命令终止容器</a:t>
-            </a:r>
-            <a:r>
-              <a:rPr lang="zh-CN" altLang="en-US" dirty="0" smtClean="0"/>
-              <a:t>运行，</a:t>
-            </a:r>
-            <a:endParaRPr lang="en-US" altLang="zh-CN" dirty="0" smtClean="0"/>
-          </a:p>
-          <a:p>
-            <a:r>
-              <a:rPr lang="en-US" altLang="zh-CN" dirty="0"/>
-              <a:t>	</a:t>
-            </a:r>
-            <a:r>
-              <a:rPr lang="en-US" altLang="zh-CN" dirty="0" err="1" smtClean="0"/>
-              <a:t>docker</a:t>
-            </a:r>
-            <a:r>
-              <a:rPr lang="en-US" altLang="zh-CN" dirty="0" smtClean="0"/>
+              <a:rPr lang="en-US" altLang="zh-CN" sz="2000" dirty="0" err="1" smtClean="0"/>
+              <a:t>rm</a:t>
+            </a:r>
+            <a:r>
+              <a:rPr lang="en-US" altLang="zh-CN" sz="2000" dirty="0" smtClean="0"/>
               <a:t> </a:t>
             </a:r>
             <a:r>
-              <a:rPr lang="en-US" altLang="zh-CN" dirty="0"/>
-              <a:t>container </a:t>
-            </a:r>
-            <a:r>
-              <a:rPr lang="en-US" altLang="zh-CN" dirty="0" smtClean="0"/>
-              <a:t>logs</a:t>
-            </a:r>
-            <a:r>
-              <a:rPr lang="zh-CN" altLang="en-US" dirty="0" smtClean="0"/>
-              <a:t> 查看容器</a:t>
-            </a:r>
-            <a:r>
-              <a:rPr lang="zh-CN" altLang="en-US" dirty="0"/>
-              <a:t>的</a:t>
-            </a:r>
-            <a:r>
-              <a:rPr lang="zh-CN" altLang="en-US" dirty="0" smtClean="0"/>
-              <a:t>输出， </a:t>
-            </a:r>
-            <a:r>
-              <a:rPr lang="en-US" altLang="zh-CN" dirty="0" err="1" smtClean="0"/>
-              <a:t>docker</a:t>
-            </a:r>
-            <a:r>
-              <a:rPr lang="en-US" altLang="zh-CN" dirty="0" smtClean="0"/>
-              <a:t> </a:t>
-            </a:r>
-            <a:r>
-              <a:rPr lang="en-US" altLang="zh-CN" dirty="0"/>
-              <a:t>container </a:t>
-            </a:r>
-            <a:r>
-              <a:rPr lang="en-US" altLang="zh-CN" dirty="0" smtClean="0"/>
-              <a:t>exec </a:t>
-            </a:r>
-            <a:r>
-              <a:rPr lang="zh-CN" altLang="en-US" dirty="0" smtClean="0"/>
-              <a:t>进入容器</a:t>
-            </a:r>
-            <a:endParaRPr lang="en-US" altLang="zh-CN" dirty="0" smtClean="0"/>
-          </a:p>
-          <a:p>
-            <a:r>
-              <a:rPr lang="en-US" altLang="zh-CN" dirty="0"/>
-              <a:t>	</a:t>
-            </a:r>
-            <a:r>
-              <a:rPr lang="en-US" altLang="zh-CN" dirty="0" err="1"/>
-              <a:t>docker</a:t>
-            </a:r>
-            <a:r>
-              <a:rPr lang="en-US" altLang="zh-CN" dirty="0"/>
-              <a:t> container ls </a:t>
-            </a:r>
-            <a:r>
-              <a:rPr lang="en-US" altLang="zh-CN" dirty="0" smtClean="0"/>
-              <a:t>–all </a:t>
-            </a:r>
-            <a:r>
-              <a:rPr lang="zh-CN" altLang="en-US" dirty="0" smtClean="0"/>
-              <a:t>查出所有容器，</a:t>
-            </a:r>
-            <a:r>
-              <a:rPr lang="en-US" altLang="zh-CN" dirty="0" err="1"/>
-              <a:t>docker</a:t>
-            </a:r>
-            <a:r>
-              <a:rPr lang="en-US" altLang="zh-CN" dirty="0"/>
-              <a:t> container </a:t>
-            </a:r>
-            <a:r>
-              <a:rPr lang="en-US" altLang="zh-CN" dirty="0" err="1" smtClean="0"/>
-              <a:t>rm</a:t>
-            </a:r>
-            <a:r>
-              <a:rPr lang="en-US" altLang="zh-CN" dirty="0" smtClean="0"/>
-              <a:t> </a:t>
-            </a:r>
-            <a:r>
-              <a:rPr lang="zh-CN" altLang="en-US" dirty="0" smtClean="0"/>
+              <a:rPr lang="zh-CN" altLang="en-US" sz="2000" dirty="0" smtClean="0"/>
               <a:t>删除容器</a:t>
             </a:r>
-            <a:endParaRPr lang="en-US" altLang="zh-CN" dirty="0" smtClean="0"/>
+            <a:endParaRPr lang="en-US" altLang="zh-CN" sz="2000" dirty="0" smtClean="0"/>
           </a:p>
           <a:p>
             <a:r>
@@ -6938,8 +6931,8 @@
         </p:nvSpPr>
         <p:spPr>
           <a:xfrm>
-            <a:off x="493926" y="3071514"/>
-            <a:ext cx="11529752" cy="830997"/>
+            <a:off x="382075" y="3037624"/>
+            <a:ext cx="11529752" cy="1446550"/>
           </a:xfrm>
           <a:prstGeom prst="rect">
             <a:avLst/>
@@ -6962,11 +6955,7 @@
             </a:r>
             <a:r>
               <a:rPr lang="en-US" altLang="zh-CN" dirty="0" smtClean="0"/>
-              <a:t>(Images</a:t>
-            </a:r>
-            <a:r>
-              <a:rPr lang="en-US" altLang="zh-CN" dirty="0" smtClean="0"/>
-              <a:t>)</a:t>
+              <a:t>(Images)</a:t>
             </a:r>
           </a:p>
           <a:p>
@@ -6975,20 +6964,144 @@
               <a:t>	</a:t>
             </a:r>
             <a:r>
-              <a:rPr lang="en-US" altLang="zh-CN" dirty="0" err="1"/>
+              <a:rPr lang="en-US" altLang="zh-CN" sz="2000" dirty="0" err="1"/>
               <a:t>docker</a:t>
             </a:r>
             <a:r>
-              <a:rPr lang="en-US" altLang="zh-CN" dirty="0"/>
+              <a:rPr lang="en-US" altLang="zh-CN" sz="2000" dirty="0"/>
+              <a:t> images : </a:t>
+            </a:r>
+            <a:r>
+              <a:rPr lang="zh-CN" altLang="en-US" sz="2000" dirty="0"/>
+              <a:t>列出本地</a:t>
+            </a:r>
+            <a:r>
+              <a:rPr lang="zh-CN" altLang="en-US" sz="2000" dirty="0" smtClean="0"/>
+              <a:t>镜像</a:t>
+            </a:r>
+            <a:r>
+              <a:rPr lang="en-US" altLang="zh-CN" sz="2000" dirty="0" smtClean="0"/>
+              <a:t>,</a:t>
+            </a:r>
+            <a:r>
+              <a:rPr lang="zh-CN" altLang="en-US" sz="2000" dirty="0" smtClean="0"/>
               <a:t> </a:t>
             </a:r>
             <a:r>
-              <a:rPr lang="en-US" altLang="zh-CN" dirty="0" smtClean="0"/>
+              <a:rPr lang="en-US" altLang="zh-CN" sz="2000" dirty="0" err="1" smtClean="0"/>
+              <a:t>docker</a:t>
+            </a:r>
+            <a:r>
+              <a:rPr lang="en-US" altLang="zh-CN" sz="2000" dirty="0" smtClean="0"/>
+              <a:t> </a:t>
+            </a:r>
+            <a:r>
+              <a:rPr lang="en-US" altLang="zh-CN" sz="2000" dirty="0" smtClean="0"/>
               <a:t>search </a:t>
             </a:r>
             <a:r>
-              <a:rPr lang="zh-CN" altLang="en-US" dirty="0" smtClean="0"/>
-              <a:t>从仓库搜索镜像， </a:t>
+              <a:rPr lang="zh-CN" altLang="en-US" sz="2000" dirty="0" smtClean="0"/>
+              <a:t>从仓库搜索镜像</a:t>
+            </a:r>
+            <a:r>
+              <a:rPr lang="zh-CN" altLang="en-US" sz="2000" dirty="0" smtClean="0"/>
+              <a:t>，</a:t>
+            </a:r>
+            <a:r>
+              <a:rPr lang="en-US" altLang="zh-CN" sz="2000" dirty="0" err="1" smtClean="0"/>
+              <a:t>docker</a:t>
+            </a:r>
+            <a:r>
+              <a:rPr lang="en-US" altLang="zh-CN" sz="2000" dirty="0" smtClean="0"/>
+              <a:t> </a:t>
+            </a:r>
+            <a:r>
+              <a:rPr lang="en-US" altLang="zh-CN" sz="2000" dirty="0"/>
+              <a:t>build : </a:t>
+            </a:r>
+            <a:r>
+              <a:rPr lang="zh-CN" altLang="en-US" sz="2000" dirty="0" smtClean="0"/>
+              <a:t>使用</a:t>
+            </a:r>
+            <a:r>
+              <a:rPr lang="en-US" altLang="zh-CN" sz="2000" dirty="0" smtClean="0"/>
+              <a:t>	</a:t>
+            </a:r>
+            <a:r>
+              <a:rPr lang="en-US" altLang="zh-CN" sz="2000" dirty="0" err="1" smtClean="0"/>
+              <a:t>Dockerfile</a:t>
+            </a:r>
+            <a:r>
+              <a:rPr lang="zh-CN" altLang="en-US" sz="2000" dirty="0"/>
+              <a:t>创建镜像。</a:t>
+            </a:r>
+            <a:r>
+              <a:rPr lang="en-US" altLang="zh-CN" sz="2000" dirty="0" smtClean="0"/>
+              <a:t>  </a:t>
+            </a:r>
+            <a:r>
+              <a:rPr lang="zh-CN" altLang="en-US" sz="2000" dirty="0" smtClean="0"/>
+              <a:t> </a:t>
+            </a:r>
+            <a:r>
+              <a:rPr lang="en-US" altLang="zh-CN" sz="2000" dirty="0" err="1"/>
+              <a:t>docker</a:t>
+            </a:r>
+            <a:r>
+              <a:rPr lang="en-US" altLang="zh-CN" sz="2000" dirty="0"/>
+              <a:t> history : </a:t>
+            </a:r>
+            <a:r>
+              <a:rPr lang="zh-CN" altLang="en-US" sz="2000" dirty="0"/>
+              <a:t>查看指定镜像的创建历史</a:t>
+            </a:r>
+            <a:r>
+              <a:rPr lang="zh-CN" altLang="en-US" sz="2000" dirty="0" smtClean="0"/>
+              <a:t>。</a:t>
+            </a:r>
+            <a:r>
+              <a:rPr lang="en-US" altLang="zh-CN" sz="2000" dirty="0" err="1"/>
+              <a:t>docker</a:t>
+            </a:r>
+            <a:r>
+              <a:rPr lang="en-US" altLang="zh-CN" sz="2000" dirty="0"/>
+              <a:t> </a:t>
+            </a:r>
+            <a:r>
+              <a:rPr lang="en-US" altLang="zh-CN" sz="2000" dirty="0" err="1"/>
+              <a:t>rmi</a:t>
+            </a:r>
+            <a:r>
+              <a:rPr lang="en-US" altLang="zh-CN" sz="2000" dirty="0"/>
+              <a:t> : </a:t>
+            </a:r>
+            <a:r>
+              <a:rPr lang="zh-CN" altLang="en-US" sz="2000" dirty="0"/>
+              <a:t>删除本地一</a:t>
+            </a:r>
+            <a:r>
+              <a:rPr lang="zh-CN" altLang="en-US" sz="2000" dirty="0" smtClean="0"/>
+              <a:t>个</a:t>
+            </a:r>
+            <a:r>
+              <a:rPr lang="en-US" altLang="zh-CN" sz="2000" dirty="0" smtClean="0"/>
+              <a:t>	</a:t>
+            </a:r>
+            <a:r>
+              <a:rPr lang="zh-CN" altLang="en-US" sz="2000" dirty="0" smtClean="0"/>
+              <a:t>或</a:t>
+            </a:r>
+            <a:r>
+              <a:rPr lang="zh-CN" altLang="en-US" sz="2000" dirty="0"/>
+              <a:t>多少镜像</a:t>
+            </a:r>
+            <a:r>
+              <a:rPr lang="zh-CN" altLang="en-US" sz="2000" dirty="0" smtClean="0"/>
+              <a:t>。</a:t>
+            </a:r>
+            <a:r>
+              <a:rPr lang="en-US" altLang="zh-CN" sz="2000" dirty="0" smtClean="0"/>
+              <a:t>……</a:t>
             </a:r>
             <a:endParaRPr lang="en-US" altLang="zh-CN" dirty="0"/>
           </a:p>
@@ -7002,8 +7115,8 @@
         </p:nvSpPr>
         <p:spPr>
           <a:xfrm>
-            <a:off x="603932" y="4614564"/>
-            <a:ext cx="2912977" cy="461665"/>
+            <a:off x="399169" y="1535738"/>
+            <a:ext cx="11731097" cy="1384995"/>
           </a:xfrm>
           <a:prstGeom prst="rect">
             <a:avLst/>
@@ -7017,11 +7130,11 @@
           <a:lstStyle/>
           <a:p>
             <a:r>
+              <a:rPr lang="en-US" altLang="zh-CN" dirty="0"/>
+              <a:t>1</a:t>
+            </a:r>
+            <a:r>
               <a:rPr lang="en-US" altLang="zh-CN" dirty="0" smtClean="0"/>
-              <a:t>3</a:t>
-            </a:r>
-            <a:r>
-              <a:rPr lang="en-US" altLang="zh-CN" dirty="0"/>
               <a:t>. </a:t>
             </a:r>
             <a:r>
@@ -7030,9 +7143,133 @@
             </a:r>
             <a:r>
               <a:rPr lang="en-US" altLang="zh-CN" dirty="0" smtClean="0"/>
-              <a:t>(Repository)</a:t>
-            </a:r>
-            <a:endParaRPr lang="zh-CN" altLang="en-US" dirty="0"/>
+              <a:t>(Repository</a:t>
+            </a:r>
+            <a:r>
+              <a:rPr lang="en-US" altLang="zh-CN" dirty="0" smtClean="0"/>
+              <a:t>)</a:t>
+            </a:r>
+          </a:p>
+          <a:p>
+            <a:r>
+              <a:rPr lang="en-US" altLang="zh-CN" sz="2000" dirty="0" smtClean="0"/>
+              <a:t>	</a:t>
+            </a:r>
+            <a:r>
+              <a:rPr lang="en-US" altLang="zh-CN" sz="2000" dirty="0" err="1" smtClean="0"/>
+              <a:t>docker</a:t>
+            </a:r>
+            <a:r>
+              <a:rPr lang="en-US" altLang="zh-CN" sz="2000" dirty="0" smtClean="0"/>
+              <a:t> </a:t>
+            </a:r>
+            <a:r>
+              <a:rPr lang="en-US" altLang="zh-CN" sz="2000" dirty="0"/>
+              <a:t>login : </a:t>
+            </a:r>
+            <a:r>
+              <a:rPr lang="zh-CN" altLang="en-US" sz="2000" dirty="0"/>
+              <a:t>登陆到一个</a:t>
+            </a:r>
+            <a:r>
+              <a:rPr lang="en-US" altLang="zh-CN" sz="2000" dirty="0"/>
+              <a:t>Docker</a:t>
+            </a:r>
+            <a:r>
+              <a:rPr lang="zh-CN" altLang="en-US" sz="2000" dirty="0"/>
+              <a:t>镜像</a:t>
+            </a:r>
+            <a:r>
+              <a:rPr lang="zh-CN" altLang="en-US" sz="2000" dirty="0" smtClean="0"/>
+              <a:t>仓库，</a:t>
+            </a:r>
+            <a:r>
+              <a:rPr lang="en-US" altLang="zh-CN" sz="2000" dirty="0" err="1"/>
+              <a:t>docker</a:t>
+            </a:r>
+            <a:r>
+              <a:rPr lang="en-US" altLang="zh-CN" sz="2000" dirty="0"/>
+              <a:t> pull : </a:t>
+            </a:r>
+            <a:r>
+              <a:rPr lang="zh-CN" altLang="en-US" sz="2000" dirty="0"/>
+              <a:t>从镜像仓库中拉取或者更新指定</a:t>
+            </a:r>
+            <a:r>
+              <a:rPr lang="zh-CN" altLang="en-US" sz="2000" dirty="0" smtClean="0"/>
+              <a:t>镜像</a:t>
+            </a:r>
+            <a:endParaRPr lang="en-US" altLang="zh-CN" sz="2000" dirty="0" smtClean="0"/>
+          </a:p>
+          <a:p>
+            <a:r>
+              <a:rPr lang="en-US" altLang="zh-CN" sz="2000" dirty="0" smtClean="0"/>
+              <a:t>	</a:t>
+            </a:r>
+            <a:r>
+              <a:rPr lang="en-US" altLang="zh-CN" sz="2000" dirty="0" err="1" smtClean="0"/>
+              <a:t>docker</a:t>
+            </a:r>
+            <a:r>
+              <a:rPr lang="en-US" altLang="zh-CN" sz="2000" dirty="0" smtClean="0"/>
+              <a:t> </a:t>
+            </a:r>
+            <a:r>
+              <a:rPr lang="en-US" altLang="zh-CN" sz="2000" dirty="0"/>
+              <a:t>push : </a:t>
+            </a:r>
+            <a:r>
+              <a:rPr lang="zh-CN" altLang="en-US" sz="2000" dirty="0"/>
+              <a:t>将本地的镜像上传到镜像仓库</a:t>
+            </a:r>
+            <a:r>
+              <a:rPr lang="en-US" altLang="zh-CN" sz="2000" dirty="0"/>
+              <a:t>,</a:t>
+            </a:r>
+            <a:r>
+              <a:rPr lang="zh-CN" altLang="en-US" sz="2000" dirty="0"/>
+              <a:t>要先登陆到镜像</a:t>
+            </a:r>
+            <a:r>
+              <a:rPr lang="zh-CN" altLang="en-US" sz="2000" dirty="0" smtClean="0"/>
+              <a:t>仓库</a:t>
+            </a:r>
+            <a:r>
+              <a:rPr lang="en-US" altLang="zh-CN" sz="2000" dirty="0"/>
+              <a:t>, </a:t>
+            </a:r>
+            <a:endParaRPr lang="en-US" altLang="zh-CN" sz="2000" dirty="0" smtClean="0"/>
+          </a:p>
+          <a:p>
+            <a:r>
+              <a:rPr lang="en-US" altLang="zh-CN" sz="2000" dirty="0" smtClean="0"/>
+              <a:t>	</a:t>
+            </a:r>
+            <a:r>
+              <a:rPr lang="en-US" altLang="zh-CN" sz="2000" dirty="0" err="1" smtClean="0"/>
+              <a:t>docker</a:t>
+            </a:r>
+            <a:r>
+              <a:rPr lang="en-US" altLang="zh-CN" sz="2000" dirty="0" smtClean="0"/>
+              <a:t> </a:t>
+            </a:r>
+            <a:r>
+              <a:rPr lang="en-US" altLang="zh-CN" sz="2000" dirty="0"/>
+              <a:t>search : </a:t>
+            </a:r>
+            <a:r>
+              <a:rPr lang="zh-CN" altLang="en-US" sz="2000" dirty="0"/>
+              <a:t>从</a:t>
+            </a:r>
+            <a:r>
+              <a:rPr lang="en-US" altLang="zh-CN" sz="2000" dirty="0"/>
+              <a:t>Docker Hub</a:t>
+            </a:r>
+            <a:r>
+              <a:rPr lang="zh-CN" altLang="en-US" sz="2000" dirty="0"/>
+              <a:t>查找镜像</a:t>
+            </a:r>
+            <a:endParaRPr lang="zh-CN" altLang="en-US" sz="2000" dirty="0"/>
           </a:p>
         </p:txBody>
       </p:sp>
@@ -7145,7 +7382,7 @@
         <p:spPr>
           <a:xfrm>
             <a:off x="793" y="503854"/>
-            <a:ext cx="3567955" cy="502766"/>
+            <a:ext cx="5062526" cy="502766"/>
           </a:xfrm>
           <a:prstGeom prst="rect">
             <a:avLst/>
@@ -7161,7 +7398,7 @@
           <a:lstStyle/>
           <a:p>
             <a:r>
-              <a:rPr kumimoji="1" lang="en-US" altLang="zh-CN" sz="2667" b="1" dirty="0">
+              <a:rPr kumimoji="1" lang="en-US" altLang="zh-CN" sz="2667" b="1" dirty="0" smtClean="0">
                 <a:solidFill>
                   <a:srgbClr val="2E2E2E"/>
                 </a:solidFill>
@@ -7169,7 +7406,7 @@
               <a:t>PART</a:t>
             </a:r>
             <a:r>
-              <a:rPr kumimoji="1" lang="zh-CN" altLang="en-US" sz="2667" b="1" dirty="0">
+              <a:rPr kumimoji="1" lang="zh-CN" altLang="en-US" sz="2667" b="1" dirty="0" smtClean="0">
                 <a:solidFill>
                   <a:srgbClr val="2E2E2E"/>
                 </a:solidFill>
@@ -7177,20 +7414,28 @@
               <a:t> </a:t>
             </a:r>
             <a:r>
-              <a:rPr kumimoji="1" lang="en-US" altLang="zh-CN" sz="2667" b="1" dirty="0" smtClean="0">
+              <a:rPr kumimoji="1" lang="en-US" altLang="zh-CN" sz="2667" b="1" dirty="0">
                 <a:solidFill>
                   <a:srgbClr val="2E2E2E"/>
                 </a:solidFill>
               </a:rPr>
-              <a:t>THREE </a:t>
-            </a:r>
-            <a:r>
-              <a:rPr kumimoji="1" lang="zh-CN" altLang="en-US" sz="2667" b="1" dirty="0" smtClean="0">
+              <a:t>THREE Docker </a:t>
+            </a:r>
+            <a:r>
+              <a:rPr kumimoji="1" lang="zh-CN" altLang="en-US" sz="2667" b="1" dirty="0">
                 <a:solidFill>
                   <a:srgbClr val="2E2E2E"/>
                 </a:solidFill>
               </a:rPr>
-              <a:t>基础部分</a:t>
+              <a:t>安装 </a:t>
+            </a:r>
+            <a:r>
+              <a:rPr kumimoji="1" lang="en-US" altLang="zh-CN" sz="2667" b="1" dirty="0" err="1">
+                <a:solidFill>
+                  <a:srgbClr val="2E2E2E"/>
+                </a:solidFill>
+              </a:rPr>
+              <a:t>Redis</a:t>
             </a:r>
             <a:endParaRPr kumimoji="1" lang="zh-CN" altLang="en-US" sz="2667" b="1" dirty="0">
               <a:solidFill>
@@ -12256,7 +12501,7 @@
               </a:ln>
               <a:extLst>
                 <a:ext uri="{91240B29-F687-4f45-9708-019B960494DF}">
-                  <a14:hiddenLine xmlns="" xmlns:a14="http://schemas.microsoft.com/office/drawing/2010/main" w="9525">
+                  <a14:hiddenLine xmlns:a14="http://schemas.microsoft.com/office/drawing/2010/main" xmlns="" w="9525">
                     <a:solidFill>
                       <a:srgbClr val="000000"/>
                     </a:solidFill>
@@ -12489,7 +12734,7 @@
               </a:ln>
               <a:extLst>
                 <a:ext uri="{91240B29-F687-4f45-9708-019B960494DF}">
-                  <a14:hiddenLine xmlns="" xmlns:a14="http://schemas.microsoft.com/office/drawing/2010/main" w="9525">
+                  <a14:hiddenLine xmlns:a14="http://schemas.microsoft.com/office/drawing/2010/main" xmlns="" w="9525">
                     <a:solidFill>
                       <a:srgbClr val="000000"/>
                     </a:solidFill>
@@ -12603,7 +12848,7 @@
               </a:ln>
               <a:extLst>
                 <a:ext uri="{91240B29-F687-4f45-9708-019B960494DF}">
-                  <a14:hiddenLine xmlns="" xmlns:a14="http://schemas.microsoft.com/office/drawing/2010/main" w="9525">
+                  <a14:hiddenLine xmlns:a14="http://schemas.microsoft.com/office/drawing/2010/main" xmlns="" w="9525">
                     <a:solidFill>
                       <a:srgbClr val="000000"/>
                     </a:solidFill>
@@ -12852,7 +13097,7 @@
               </a:ln>
               <a:extLst>
                 <a:ext uri="{91240B29-F687-4f45-9708-019B960494DF}">
-                  <a14:hiddenLine xmlns="" xmlns:a14="http://schemas.microsoft.com/office/drawing/2010/main" w="9525">
+                  <a14:hiddenLine xmlns:a14="http://schemas.microsoft.com/office/drawing/2010/main" xmlns="" w="9525">
                     <a:solidFill>
                       <a:srgbClr val="000000"/>
                     </a:solidFill>
@@ -13096,7 +13341,7 @@
               </a:ln>
               <a:extLst>
                 <a:ext uri="{91240B29-F687-4f45-9708-019B960494DF}">
-                  <a14:hiddenLine xmlns="" xmlns:a14="http://schemas.microsoft.com/office/drawing/2010/main" w="9525">
+                  <a14:hiddenLine xmlns:a14="http://schemas.microsoft.com/office/drawing/2010/main" xmlns="" w="9525">
                     <a:solidFill>
                       <a:srgbClr val="000000"/>
                     </a:solidFill>
@@ -13230,7 +13475,7 @@
               </a:ln>
               <a:extLst>
                 <a:ext uri="{91240B29-F687-4f45-9708-019B960494DF}">
-                  <a14:hiddenLine xmlns="" xmlns:a14="http://schemas.microsoft.com/office/drawing/2010/main" w="9525">
+                  <a14:hiddenLine xmlns:a14="http://schemas.microsoft.com/office/drawing/2010/main" xmlns="" w="9525">
                     <a:solidFill>
                       <a:srgbClr val="000000"/>
                     </a:solidFill>
@@ -15105,7 +15350,7 @@
               </a:ln>
               <a:extLst>
                 <a:ext uri="{91240B29-F687-4f45-9708-019B960494DF}">
-                  <a14:hiddenLine xmlns="" xmlns:a14="http://schemas.microsoft.com/office/drawing/2010/main" w="9525">
+                  <a14:hiddenLine xmlns:a14="http://schemas.microsoft.com/office/drawing/2010/main" xmlns="" w="9525">
                     <a:solidFill>
                       <a:srgbClr val="000000"/>
                     </a:solidFill>
@@ -15378,7 +15623,7 @@
               </a:ln>
               <a:extLst>
                 <a:ext uri="{91240B29-F687-4f45-9708-019B960494DF}">
-                  <a14:hiddenLine xmlns="" xmlns:a14="http://schemas.microsoft.com/office/drawing/2010/main" w="9525">
+                  <a14:hiddenLine xmlns:a14="http://schemas.microsoft.com/office/drawing/2010/main" xmlns="" w="9525">
                     <a:solidFill>
                       <a:srgbClr val="000000"/>
                     </a:solidFill>
@@ -15482,7 +15727,7 @@
               </a:ln>
               <a:extLst>
                 <a:ext uri="{91240B29-F687-4f45-9708-019B960494DF}">
-                  <a14:hiddenLine xmlns="" xmlns:a14="http://schemas.microsoft.com/office/drawing/2010/main" w="9525">
+                  <a14:hiddenLine xmlns:a14="http://schemas.microsoft.com/office/drawing/2010/main" xmlns="" w="9525">
                     <a:solidFill>
                       <a:srgbClr val="000000"/>
                     </a:solidFill>
@@ -16022,7 +16267,7 @@
             </a:ln>
             <a:extLst>
               <a:ext uri="{91240B29-F687-4f45-9708-019B960494DF}">
-                <a14:hiddenLine xmlns="" xmlns:a14="http://schemas.microsoft.com/office/drawing/2010/main" w="9525">
+                <a14:hiddenLine xmlns:a14="http://schemas.microsoft.com/office/drawing/2010/main" xmlns="" w="9525">
                   <a:solidFill>
                     <a:srgbClr val="000000"/>
                   </a:solidFill>
@@ -16297,7 +16542,7 @@
             </a:ln>
             <a:extLst>
               <a:ext uri="{91240B29-F687-4f45-9708-019B960494DF}">
-                <a14:hiddenLine xmlns="" xmlns:a14="http://schemas.microsoft.com/office/drawing/2010/main" w="9525">
+                <a14:hiddenLine xmlns:a14="http://schemas.microsoft.com/office/drawing/2010/main" xmlns="" w="9525">
                   <a:solidFill>
                     <a:srgbClr val="000000"/>
                   </a:solidFill>
@@ -16403,7 +16648,7 @@
             </a:ln>
             <a:extLst>
               <a:ext uri="{91240B29-F687-4f45-9708-019B960494DF}">
-                <a14:hiddenLine xmlns="" xmlns:a14="http://schemas.microsoft.com/office/drawing/2010/main" w="9525">
+                <a14:hiddenLine xmlns:a14="http://schemas.microsoft.com/office/drawing/2010/main" xmlns="" w="9525">
                   <a:solidFill>
                     <a:srgbClr val="000000"/>
                   </a:solidFill>
@@ -16957,7 +17202,7 @@
               </a:ln>
               <a:extLst>
                 <a:ext uri="{91240B29-F687-4f45-9708-019B960494DF}">
-                  <a14:hiddenLine xmlns="" xmlns:a14="http://schemas.microsoft.com/office/drawing/2010/main" w="9525">
+                  <a14:hiddenLine xmlns:a14="http://schemas.microsoft.com/office/drawing/2010/main" xmlns="" w="9525">
                     <a:solidFill>
                       <a:srgbClr val="000000"/>
                     </a:solidFill>
@@ -17230,7 +17475,7 @@
               </a:ln>
               <a:extLst>
                 <a:ext uri="{91240B29-F687-4f45-9708-019B960494DF}">
-                  <a14:hiddenLine xmlns="" xmlns:a14="http://schemas.microsoft.com/office/drawing/2010/main" w="9525">
+                  <a14:hiddenLine xmlns:a14="http://schemas.microsoft.com/office/drawing/2010/main" xmlns="" w="9525">
                     <a:solidFill>
                       <a:srgbClr val="000000"/>
                     </a:solidFill>
@@ -17334,7 +17579,7 @@
               </a:ln>
               <a:extLst>
                 <a:ext uri="{91240B29-F687-4f45-9708-019B960494DF}">
-                  <a14:hiddenLine xmlns="" xmlns:a14="http://schemas.microsoft.com/office/drawing/2010/main" w="9525">
+                  <a14:hiddenLine xmlns:a14="http://schemas.microsoft.com/office/drawing/2010/main" xmlns="" w="9525">
                     <a:solidFill>
                       <a:srgbClr val="000000"/>
                     </a:solidFill>
@@ -17887,7 +18132,7 @@
               </a:ln>
               <a:extLst>
                 <a:ext uri="{91240B29-F687-4f45-9708-019B960494DF}">
-                  <a14:hiddenLine xmlns="" xmlns:a14="http://schemas.microsoft.com/office/drawing/2010/main" w="9525">
+                  <a14:hiddenLine xmlns:a14="http://schemas.microsoft.com/office/drawing/2010/main" xmlns="" w="9525">
                     <a:solidFill>
                       <a:srgbClr val="000000"/>
                     </a:solidFill>
@@ -18160,7 +18405,7 @@
               </a:ln>
               <a:extLst>
                 <a:ext uri="{91240B29-F687-4f45-9708-019B960494DF}">
-                  <a14:hiddenLine xmlns="" xmlns:a14="http://schemas.microsoft.com/office/drawing/2010/main" w="9525">
+                  <a14:hiddenLine xmlns:a14="http://schemas.microsoft.com/office/drawing/2010/main" xmlns="" w="9525">
                     <a:solidFill>
                       <a:srgbClr val="000000"/>
                     </a:solidFill>
@@ -18264,7 +18509,7 @@
               </a:ln>
               <a:extLst>
                 <a:ext uri="{91240B29-F687-4f45-9708-019B960494DF}">
-                  <a14:hiddenLine xmlns="" xmlns:a14="http://schemas.microsoft.com/office/drawing/2010/main" w="9525">
+                  <a14:hiddenLine xmlns:a14="http://schemas.microsoft.com/office/drawing/2010/main" xmlns="" w="9525">
                     <a:solidFill>
                       <a:srgbClr val="000000"/>
                     </a:solidFill>
@@ -22426,6 +22671,15 @@
 </file>
 
 <file path=customXml/item1.xml><?xml version="1.0" encoding="utf-8"?>
+<?mso-contentType ?>
+<FormTemplates xmlns="http://schemas.microsoft.com/sharepoint/v3/contenttype/forms">
+  <Display>DocumentLibraryForm</Display>
+  <Edit>DocumentLibraryForm</Edit>
+  <New>DocumentLibraryForm</New>
+</FormTemplates>
+</file>
+
+<file path=customXml/item2.xml><?xml version="1.0" encoding="utf-8"?>
 <ct:contentTypeSchema xmlns:ct="http://schemas.microsoft.com/office/2006/metadata/contentType" xmlns:ma="http://schemas.microsoft.com/office/2006/metadata/properties/metaAttributes" ct:_="" ma:_="" ma:contentTypeName="Document" ma:contentTypeID="0x0101000DE64AEEDD9B7A4D93545ACBE97D4615" ma:contentTypeVersion="2" ma:contentTypeDescription="Create a new document." ma:contentTypeScope="" ma:versionID="f49002b78e3a4a71b814eef46a983816">
   <xsd:schema xmlns:xsd="http://www.w3.org/2001/XMLSchema" xmlns:xs="http://www.w3.org/2001/XMLSchema" xmlns:p="http://schemas.microsoft.com/office/2006/metadata/properties" xmlns:ns2="http://schemas.microsoft.com/sharepoint/v3/fields" targetNamespace="http://schemas.microsoft.com/office/2006/metadata/properties" ma:root="true" ma:fieldsID="38f6db2dd0d9a0cf6a8dc37be32b365b" ns2:_="">
     <xsd:import namespace="http://schemas.microsoft.com/sharepoint/v3/fields"/>
@@ -22569,15 +22823,6 @@
 </ct:contentTypeSchema>
 </file>
 
-<file path=customXml/item2.xml><?xml version="1.0" encoding="utf-8"?>
-<?mso-contentType ?>
-<FormTemplates xmlns="http://schemas.microsoft.com/sharepoint/v3/contenttype/forms">
-  <Display>DocumentLibraryForm</Display>
-  <Edit>DocumentLibraryForm</Edit>
-  <New>DocumentLibraryForm</New>
-</FormTemplates>
-</file>
-
 <file path=customXml/item3.xml><?xml version="1.0" encoding="utf-8"?>
 <p:properties xmlns:p="http://schemas.microsoft.com/office/2006/metadata/properties" xmlns:xsi="http://www.w3.org/2001/XMLSchema-instance" xmlns:pc="http://schemas.microsoft.com/office/infopath/2007/PartnerControls">
   <documentManagement>
@@ -22588,6 +22833,14 @@
 </file>
 
 <file path=customXml/itemProps1.xml><?xml version="1.0" encoding="utf-8"?>
+<ds:datastoreItem xmlns:ds="http://schemas.openxmlformats.org/officeDocument/2006/customXml" ds:itemID="{87D2A1B0-FF3E-4009-940D-AED0EB70AA20}">
+  <ds:schemaRefs>
+    <ds:schemaRef ds:uri="http://schemas.microsoft.com/sharepoint/v3/contenttype/forms"/>
+  </ds:schemaRefs>
+</ds:datastoreItem>
+</file>
+
+<file path=customXml/itemProps2.xml><?xml version="1.0" encoding="utf-8"?>
 <ds:datastoreItem xmlns:ds="http://schemas.openxmlformats.org/officeDocument/2006/customXml" ds:itemID="{E4214858-785C-42F7-BE66-6D0E79395FC8}">
   <ds:schemaRefs>
     <ds:schemaRef ds:uri="http://schemas.microsoft.com/office/2006/metadata/contentType"/>
@@ -22605,14 +22858,6 @@
 </ds:datastoreItem>
 </file>
 
-<file path=customXml/itemProps2.xml><?xml version="1.0" encoding="utf-8"?>
-<ds:datastoreItem xmlns:ds="http://schemas.openxmlformats.org/officeDocument/2006/customXml" ds:itemID="{87D2A1B0-FF3E-4009-940D-AED0EB70AA20}">
-  <ds:schemaRefs>
-    <ds:schemaRef ds:uri="http://schemas.microsoft.com/sharepoint/v3/contenttype/forms"/>
-  </ds:schemaRefs>
-</ds:datastoreItem>
-</file>
-
 <file path=customXml/itemProps3.xml><?xml version="1.0" encoding="utf-8"?>
 <ds:datastoreItem xmlns:ds="http://schemas.openxmlformats.org/officeDocument/2006/customXml" ds:itemID="{7B6F2769-7194-4217-93D3-3AF3A4742282}">
   <ds:schemaRefs>
